--- a/Pesquisa/Apresentação.pptx
+++ b/Pesquisa/Apresentação.pptx
@@ -360,7 +360,7 @@
           <a:p>
             <a:fld id="{0A17A756-6CEC-4109-8763-3F354E9EF1EB}" type="datetimeFigureOut">
               <a:rPr lang="pt-BR" smtClean="0"/>
-              <a:t>06/06/2018</a:t>
+              <a:t>07/06/2018</a:t>
             </a:fld>
             <a:endParaRPr lang="pt-BR"/>
           </a:p>
@@ -583,7 +583,7 @@
           <a:p>
             <a:fld id="{0A17A756-6CEC-4109-8763-3F354E9EF1EB}" type="datetimeFigureOut">
               <a:rPr lang="pt-BR" smtClean="0"/>
-              <a:t>06/06/2018</a:t>
+              <a:t>07/06/2018</a:t>
             </a:fld>
             <a:endParaRPr lang="pt-BR"/>
           </a:p>
@@ -863,7 +863,7 @@
           <a:p>
             <a:fld id="{0A17A756-6CEC-4109-8763-3F354E9EF1EB}" type="datetimeFigureOut">
               <a:rPr lang="pt-BR" smtClean="0"/>
-              <a:t>06/06/2018</a:t>
+              <a:t>07/06/2018</a:t>
             </a:fld>
             <a:endParaRPr lang="pt-BR"/>
           </a:p>
@@ -1042,7 +1042,7 @@
           <a:p>
             <a:fld id="{0A17A756-6CEC-4109-8763-3F354E9EF1EB}" type="datetimeFigureOut">
               <a:rPr lang="pt-BR" smtClean="0"/>
-              <a:t>06/06/2018</a:t>
+              <a:t>07/06/2018</a:t>
             </a:fld>
             <a:endParaRPr lang="pt-BR"/>
           </a:p>
@@ -1400,7 +1400,7 @@
           <a:p>
             <a:fld id="{0A17A756-6CEC-4109-8763-3F354E9EF1EB}" type="datetimeFigureOut">
               <a:rPr lang="pt-BR" smtClean="0"/>
-              <a:t>06/06/2018</a:t>
+              <a:t>07/06/2018</a:t>
             </a:fld>
             <a:endParaRPr lang="pt-BR"/>
           </a:p>
@@ -1687,7 +1687,7 @@
           <a:p>
             <a:fld id="{0A17A756-6CEC-4109-8763-3F354E9EF1EB}" type="datetimeFigureOut">
               <a:rPr lang="pt-BR" smtClean="0"/>
-              <a:t>06/06/2018</a:t>
+              <a:t>07/06/2018</a:t>
             </a:fld>
             <a:endParaRPr lang="pt-BR"/>
           </a:p>
@@ -2109,7 +2109,7 @@
           <a:p>
             <a:fld id="{0A17A756-6CEC-4109-8763-3F354E9EF1EB}" type="datetimeFigureOut">
               <a:rPr lang="pt-BR" smtClean="0"/>
-              <a:t>06/06/2018</a:t>
+              <a:t>07/06/2018</a:t>
             </a:fld>
             <a:endParaRPr lang="pt-BR"/>
           </a:p>
@@ -2224,7 +2224,7 @@
           <a:p>
             <a:fld id="{0A17A756-6CEC-4109-8763-3F354E9EF1EB}" type="datetimeFigureOut">
               <a:rPr lang="pt-BR" smtClean="0"/>
-              <a:t>06/06/2018</a:t>
+              <a:t>07/06/2018</a:t>
             </a:fld>
             <a:endParaRPr lang="pt-BR"/>
           </a:p>
@@ -2314,7 +2314,7 @@
           <a:p>
             <a:fld id="{0A17A756-6CEC-4109-8763-3F354E9EF1EB}" type="datetimeFigureOut">
               <a:rPr lang="pt-BR" smtClean="0"/>
-              <a:t>06/06/2018</a:t>
+              <a:t>07/06/2018</a:t>
             </a:fld>
             <a:endParaRPr lang="pt-BR"/>
           </a:p>
@@ -2592,7 +2592,7 @@
           <a:p>
             <a:fld id="{0A17A756-6CEC-4109-8763-3F354E9EF1EB}" type="datetimeFigureOut">
               <a:rPr lang="pt-BR" smtClean="0"/>
-              <a:t>06/06/2018</a:t>
+              <a:t>07/06/2018</a:t>
             </a:fld>
             <a:endParaRPr lang="pt-BR"/>
           </a:p>
@@ -2958,7 +2958,7 @@
           <a:p>
             <a:fld id="{0A17A756-6CEC-4109-8763-3F354E9EF1EB}" type="datetimeFigureOut">
               <a:rPr lang="pt-BR" smtClean="0"/>
-              <a:t>06/06/2018</a:t>
+              <a:t>07/06/2018</a:t>
             </a:fld>
             <a:endParaRPr lang="pt-BR"/>
           </a:p>
@@ -3395,7 +3395,7 @@
           <a:p>
             <a:fld id="{0A17A756-6CEC-4109-8763-3F354E9EF1EB}" type="datetimeFigureOut">
               <a:rPr lang="pt-BR" smtClean="0"/>
-              <a:t>06/06/2018</a:t>
+              <a:t>07/06/2018</a:t>
             </a:fld>
             <a:endParaRPr lang="pt-BR"/>
           </a:p>
@@ -3993,16 +3993,34 @@
               <a:rPr lang="pt-BR" dirty="0" smtClean="0">
                 <a:latin typeface="Calibri" pitchFamily="34" charset="0"/>
               </a:rPr>
-              <a:t>Ensino de música é precário no Brasil.</a:t>
-            </a:r>
-          </a:p>
-          <a:p>
+              <a:t>Ensino de música é precário no </a:t>
+            </a:r>
             <a:r>
               <a:rPr lang="pt-BR" dirty="0" smtClean="0">
                 <a:latin typeface="Calibri" pitchFamily="34" charset="0"/>
               </a:rPr>
-              <a:t>Apenas escolas particulares ensinam música.</a:t>
-            </a:r>
+              <a:t>Brasil;</a:t>
+            </a:r>
+            <a:endParaRPr lang="pt-BR" dirty="0" smtClean="0">
+              <a:latin typeface="Calibri" pitchFamily="34" charset="0"/>
+            </a:endParaRPr>
+          </a:p>
+          <a:p>
+            <a:r>
+              <a:rPr lang="pt-BR" dirty="0" smtClean="0">
+                <a:latin typeface="Calibri" pitchFamily="34" charset="0"/>
+              </a:rPr>
+              <a:t>Apenas escolas particulares ensinam </a:t>
+            </a:r>
+            <a:r>
+              <a:rPr lang="pt-BR" dirty="0" smtClean="0">
+                <a:latin typeface="Calibri" pitchFamily="34" charset="0"/>
+              </a:rPr>
+              <a:t>música;</a:t>
+            </a:r>
+            <a:endParaRPr lang="pt-BR" dirty="0" smtClean="0">
+              <a:latin typeface="Calibri" pitchFamily="34" charset="0"/>
+            </a:endParaRPr>
           </a:p>
           <a:p>
             <a:r>
@@ -4088,10 +4106,24 @@
           <a:lstStyle/>
           <a:p>
             <a:r>
+              <a:rPr lang="pt-BR">
+                <a:latin typeface="Calibri" pitchFamily="34" charset="0"/>
+              </a:rPr>
+              <a:t>A música estimula a criatividade e a inteligência da criança;</a:t>
+            </a:r>
+          </a:p>
+          <a:p>
+            <a:r>
               <a:rPr lang="pt-BR" dirty="0" smtClean="0">
                 <a:latin typeface="Calibri" pitchFamily="34" charset="0"/>
               </a:rPr>
-              <a:t>Segundo um estudo publicado pela </a:t>
+              <a:t>Segundo </a:t>
+            </a:r>
+            <a:r>
+              <a:rPr lang="pt-BR" dirty="0" smtClean="0">
+                <a:latin typeface="Calibri" pitchFamily="34" charset="0"/>
+              </a:rPr>
+              <a:t>um estudo publicado pela </a:t>
             </a:r>
             <a:r>
               <a:rPr lang="pt-BR" dirty="0" err="1" smtClean="0">
@@ -4115,7 +4147,13 @@
               <a:rPr lang="pt-BR" dirty="0" smtClean="0">
                 <a:latin typeface="Calibri" pitchFamily="34" charset="0"/>
               </a:rPr>
-              <a:t>, o ensino de música melhora a leitura, a memória e a atenção das crianças.</a:t>
+              <a:t>, o ensino de música melhora a leitura, a memória e a atenção das </a:t>
+            </a:r>
+            <a:r>
+              <a:rPr lang="pt-BR" dirty="0" smtClean="0">
+                <a:latin typeface="Calibri" pitchFamily="34" charset="0"/>
+              </a:rPr>
+              <a:t>crianças.</a:t>
             </a:r>
           </a:p>
         </p:txBody>
@@ -4292,28 +4330,70 @@
               <a:rPr lang="pt-BR" dirty="0" smtClean="0">
                 <a:latin typeface="Calibri" pitchFamily="34" charset="0"/>
               </a:rPr>
-              <a:t>Jogo aonde os professores são personalidades famosas da música clássica.</a:t>
-            </a:r>
-          </a:p>
-          <a:p>
+              <a:t>Jogo aonde os professores são personalidades famosas da música </a:t>
+            </a:r>
             <a:r>
               <a:rPr lang="pt-BR" dirty="0" smtClean="0">
                 <a:latin typeface="Calibri" pitchFamily="34" charset="0"/>
               </a:rPr>
-              <a:t>A criança tem que ajudar os músicos a completar tarefas(Como tocar uma música, escrever uma partitura </a:t>
-            </a:r>
-            <a:r>
-              <a:rPr lang="pt-BR" dirty="0" err="1" smtClean="0">
-                <a:latin typeface="Calibri" pitchFamily="34" charset="0"/>
-              </a:rPr>
-              <a:t>etc</a:t>
-            </a:r>
+              <a:t>clássica;</a:t>
+            </a:r>
+            <a:endParaRPr lang="pt-BR" dirty="0" smtClean="0">
+              <a:latin typeface="Calibri" pitchFamily="34" charset="0"/>
+            </a:endParaRPr>
+          </a:p>
+          <a:p>
             <a:r>
               <a:rPr lang="pt-BR" dirty="0" smtClean="0">
                 <a:latin typeface="Calibri" pitchFamily="34" charset="0"/>
               </a:rPr>
-              <a:t>) através de perguntas.</a:t>
-            </a:r>
+              <a:t>A criança tem que ajudar os músicos a completar </a:t>
+            </a:r>
+            <a:r>
+              <a:rPr lang="pt-BR" dirty="0" smtClean="0">
+                <a:latin typeface="Calibri" pitchFamily="34" charset="0"/>
+              </a:rPr>
+              <a:t>tarefas (como </a:t>
+            </a:r>
+            <a:r>
+              <a:rPr lang="pt-BR" dirty="0" smtClean="0">
+                <a:latin typeface="Calibri" pitchFamily="34" charset="0"/>
+              </a:rPr>
+              <a:t>tocar uma </a:t>
+            </a:r>
+            <a:r>
+              <a:rPr lang="pt-BR" dirty="0" smtClean="0">
+                <a:latin typeface="Calibri" pitchFamily="34" charset="0"/>
+              </a:rPr>
+              <a:t>música</a:t>
+            </a:r>
+            <a:r>
+              <a:rPr lang="pt-BR" dirty="0" smtClean="0">
+                <a:latin typeface="Calibri" pitchFamily="34" charset="0"/>
+              </a:rPr>
+              <a:t>, montar uma partitura</a:t>
+            </a:r>
+            <a:r>
+              <a:rPr lang="pt-BR" dirty="0" smtClean="0">
+                <a:latin typeface="Calibri" pitchFamily="34" charset="0"/>
+              </a:rPr>
+              <a:t>) </a:t>
+            </a:r>
+            <a:r>
+              <a:rPr lang="pt-BR" dirty="0" smtClean="0">
+                <a:latin typeface="Calibri" pitchFamily="34" charset="0"/>
+              </a:rPr>
+              <a:t>através de </a:t>
+            </a:r>
+            <a:r>
+              <a:rPr lang="pt-BR" dirty="0" smtClean="0">
+                <a:latin typeface="Calibri" pitchFamily="34" charset="0"/>
+              </a:rPr>
+              <a:t>perguntas;</a:t>
+            </a:r>
+            <a:endParaRPr lang="pt-BR" dirty="0" smtClean="0">
+              <a:latin typeface="Calibri" pitchFamily="34" charset="0"/>
+            </a:endParaRPr>
           </a:p>
           <a:p>
             <a:r>
